--- a/ppt 16-9/0375.主使你得安息.pptx
+++ b/ppt 16-9/0375.主使你得安息.pptx
@@ -129,7 +129,7 @@
           <p:cNvPr id="2" name="标题 1">
             <a:extLst>
               <a:ext uri="{FF2B5EF4-FFF2-40B4-BE49-F238E27FC236}">
-                <a16:creationId xmlns:a16="http://schemas.microsoft.com/office/drawing/2014/main" id="{7B9C6B9E-01F0-C5D1-B4C8-440D39E21ADA}"/>
+                <a16:creationId xmlns:a16="http://schemas.microsoft.com/office/drawing/2014/main" id="{78BA1B9F-CC45-DB9B-D27F-7E2699FFFDB5}"/>
               </a:ext>
             </a:extLst>
           </p:cNvPr>
@@ -166,7 +166,7 @@
           <p:cNvPr id="3" name="副标题 2">
             <a:extLst>
               <a:ext uri="{FF2B5EF4-FFF2-40B4-BE49-F238E27FC236}">
-                <a16:creationId xmlns:a16="http://schemas.microsoft.com/office/drawing/2014/main" id="{298F688A-C366-A33A-08F1-6825957F7336}"/>
+                <a16:creationId xmlns:a16="http://schemas.microsoft.com/office/drawing/2014/main" id="{DA09546A-9EE9-936F-74C5-A00E1CD4DD1F}"/>
               </a:ext>
             </a:extLst>
           </p:cNvPr>
@@ -236,7 +236,7 @@
           <p:cNvPr id="4" name="日期占位符 3">
             <a:extLst>
               <a:ext uri="{FF2B5EF4-FFF2-40B4-BE49-F238E27FC236}">
-                <a16:creationId xmlns:a16="http://schemas.microsoft.com/office/drawing/2014/main" id="{94A89E3F-E61E-E1AC-1B16-A098D4F4148C}"/>
+                <a16:creationId xmlns:a16="http://schemas.microsoft.com/office/drawing/2014/main" id="{516C753F-2DDB-70CC-B44C-35BC0A6C369C}"/>
               </a:ext>
             </a:extLst>
           </p:cNvPr>
@@ -252,7 +252,7 @@
           <a:bodyPr/>
           <a:lstStyle/>
           <a:p>
-            <a:fld id="{1718DC21-84C5-4FEF-A11C-8E92089C6D58}" type="datetimeFigureOut">
+            <a:fld id="{40240B52-655D-4FF4-8F82-FCFC3BB98ECE}" type="datetimeFigureOut">
               <a:rPr lang="zh-CN" altLang="en-US" smtClean="0"/>
               <a:t>2024/3/10</a:t>
             </a:fld>
@@ -265,7 +265,7 @@
           <p:cNvPr id="5" name="页脚占位符 4">
             <a:extLst>
               <a:ext uri="{FF2B5EF4-FFF2-40B4-BE49-F238E27FC236}">
-                <a16:creationId xmlns:a16="http://schemas.microsoft.com/office/drawing/2014/main" id="{FE8FB689-A7F0-2A74-333C-6C29A4795713}"/>
+                <a16:creationId xmlns:a16="http://schemas.microsoft.com/office/drawing/2014/main" id="{F63D2C62-5CED-BCD2-D403-D79A0FA6223C}"/>
               </a:ext>
             </a:extLst>
           </p:cNvPr>
@@ -290,7 +290,7 @@
           <p:cNvPr id="6" name="灯片编号占位符 5">
             <a:extLst>
               <a:ext uri="{FF2B5EF4-FFF2-40B4-BE49-F238E27FC236}">
-                <a16:creationId xmlns:a16="http://schemas.microsoft.com/office/drawing/2014/main" id="{E5D6D7BB-3F3C-2A28-D9EE-EECB20F15D40}"/>
+                <a16:creationId xmlns:a16="http://schemas.microsoft.com/office/drawing/2014/main" id="{DA0ED384-853B-2662-D7AF-57392E240009}"/>
               </a:ext>
             </a:extLst>
           </p:cNvPr>
@@ -306,7 +306,7 @@
           <a:bodyPr/>
           <a:lstStyle/>
           <a:p>
-            <a:fld id="{AD999DCA-BB90-40DD-B956-088A76D67ECE}" type="slidenum">
+            <a:fld id="{D0B570D4-15F4-45D7-8690-9093D6ADD88A}" type="slidenum">
               <a:rPr lang="zh-CN" altLang="en-US" smtClean="0"/>
               <a:t>‹#›</a:t>
             </a:fld>
@@ -317,7 +317,7 @@
     </p:spTree>
     <p:extLst>
       <p:ext uri="{BB962C8B-B14F-4D97-AF65-F5344CB8AC3E}">
-        <p14:creationId xmlns:p14="http://schemas.microsoft.com/office/powerpoint/2010/main" val="3869608448"/>
+        <p14:creationId xmlns:p14="http://schemas.microsoft.com/office/powerpoint/2010/main" val="4106836901"/>
       </p:ext>
     </p:extLst>
   </p:cSld>
@@ -349,7 +349,7 @@
           <p:cNvPr id="2" name="标题 1">
             <a:extLst>
               <a:ext uri="{FF2B5EF4-FFF2-40B4-BE49-F238E27FC236}">
-                <a16:creationId xmlns:a16="http://schemas.microsoft.com/office/drawing/2014/main" id="{13E4BD02-F5BE-9D98-9CBA-688978C6592A}"/>
+                <a16:creationId xmlns:a16="http://schemas.microsoft.com/office/drawing/2014/main" id="{3361EF58-B096-C352-A697-9679BD6D888B}"/>
               </a:ext>
             </a:extLst>
           </p:cNvPr>
@@ -377,7 +377,7 @@
           <p:cNvPr id="3" name="竖排文字占位符 2">
             <a:extLst>
               <a:ext uri="{FF2B5EF4-FFF2-40B4-BE49-F238E27FC236}">
-                <a16:creationId xmlns:a16="http://schemas.microsoft.com/office/drawing/2014/main" id="{74D8B29F-0B5C-9E14-38C4-6ADC88FC6C3B}"/>
+                <a16:creationId xmlns:a16="http://schemas.microsoft.com/office/drawing/2014/main" id="{568D5177-B9A4-102E-AA15-814F29DA822A}"/>
               </a:ext>
             </a:extLst>
           </p:cNvPr>
@@ -434,7 +434,7 @@
           <p:cNvPr id="4" name="日期占位符 3">
             <a:extLst>
               <a:ext uri="{FF2B5EF4-FFF2-40B4-BE49-F238E27FC236}">
-                <a16:creationId xmlns:a16="http://schemas.microsoft.com/office/drawing/2014/main" id="{8F475814-C556-CF46-6ED8-643C5E79C45F}"/>
+                <a16:creationId xmlns:a16="http://schemas.microsoft.com/office/drawing/2014/main" id="{7FF66A92-DEAB-80ED-5EAD-FAF0337567F7}"/>
               </a:ext>
             </a:extLst>
           </p:cNvPr>
@@ -450,7 +450,7 @@
           <a:bodyPr/>
           <a:lstStyle/>
           <a:p>
-            <a:fld id="{1718DC21-84C5-4FEF-A11C-8E92089C6D58}" type="datetimeFigureOut">
+            <a:fld id="{40240B52-655D-4FF4-8F82-FCFC3BB98ECE}" type="datetimeFigureOut">
               <a:rPr lang="zh-CN" altLang="en-US" smtClean="0"/>
               <a:t>2024/3/10</a:t>
             </a:fld>
@@ -463,7 +463,7 @@
           <p:cNvPr id="5" name="页脚占位符 4">
             <a:extLst>
               <a:ext uri="{FF2B5EF4-FFF2-40B4-BE49-F238E27FC236}">
-                <a16:creationId xmlns:a16="http://schemas.microsoft.com/office/drawing/2014/main" id="{3E811309-8922-BD36-0EE7-FF45F0BD1A31}"/>
+                <a16:creationId xmlns:a16="http://schemas.microsoft.com/office/drawing/2014/main" id="{CAAD888D-438F-1A43-BEA5-C00804ECD45F}"/>
               </a:ext>
             </a:extLst>
           </p:cNvPr>
@@ -488,7 +488,7 @@
           <p:cNvPr id="6" name="灯片编号占位符 5">
             <a:extLst>
               <a:ext uri="{FF2B5EF4-FFF2-40B4-BE49-F238E27FC236}">
-                <a16:creationId xmlns:a16="http://schemas.microsoft.com/office/drawing/2014/main" id="{A6931F71-7DA6-9E2F-C439-B224FEB69E3E}"/>
+                <a16:creationId xmlns:a16="http://schemas.microsoft.com/office/drawing/2014/main" id="{0CDFC536-87D5-1A3F-4834-355A1E2E9721}"/>
               </a:ext>
             </a:extLst>
           </p:cNvPr>
@@ -504,7 +504,7 @@
           <a:bodyPr/>
           <a:lstStyle/>
           <a:p>
-            <a:fld id="{AD999DCA-BB90-40DD-B956-088A76D67ECE}" type="slidenum">
+            <a:fld id="{D0B570D4-15F4-45D7-8690-9093D6ADD88A}" type="slidenum">
               <a:rPr lang="zh-CN" altLang="en-US" smtClean="0"/>
               <a:t>‹#›</a:t>
             </a:fld>
@@ -515,7 +515,7 @@
     </p:spTree>
     <p:extLst>
       <p:ext uri="{BB962C8B-B14F-4D97-AF65-F5344CB8AC3E}">
-        <p14:creationId xmlns:p14="http://schemas.microsoft.com/office/powerpoint/2010/main" val="2395261813"/>
+        <p14:creationId xmlns:p14="http://schemas.microsoft.com/office/powerpoint/2010/main" val="2312834475"/>
       </p:ext>
     </p:extLst>
   </p:cSld>
@@ -547,7 +547,7 @@
           <p:cNvPr id="2" name="竖排标题 1">
             <a:extLst>
               <a:ext uri="{FF2B5EF4-FFF2-40B4-BE49-F238E27FC236}">
-                <a16:creationId xmlns:a16="http://schemas.microsoft.com/office/drawing/2014/main" id="{3650EACD-7543-FABC-A8A8-2F771E88DB1F}"/>
+                <a16:creationId xmlns:a16="http://schemas.microsoft.com/office/drawing/2014/main" id="{CE5BC779-0FEA-22DF-CFCA-576616186622}"/>
               </a:ext>
             </a:extLst>
           </p:cNvPr>
@@ -580,7 +580,7 @@
           <p:cNvPr id="3" name="竖排文字占位符 2">
             <a:extLst>
               <a:ext uri="{FF2B5EF4-FFF2-40B4-BE49-F238E27FC236}">
-                <a16:creationId xmlns:a16="http://schemas.microsoft.com/office/drawing/2014/main" id="{10727C88-712C-C082-DF6D-00A1C146B923}"/>
+                <a16:creationId xmlns:a16="http://schemas.microsoft.com/office/drawing/2014/main" id="{46DA1641-53A0-4768-6719-593D49C5E55D}"/>
               </a:ext>
             </a:extLst>
           </p:cNvPr>
@@ -642,7 +642,7 @@
           <p:cNvPr id="4" name="日期占位符 3">
             <a:extLst>
               <a:ext uri="{FF2B5EF4-FFF2-40B4-BE49-F238E27FC236}">
-                <a16:creationId xmlns:a16="http://schemas.microsoft.com/office/drawing/2014/main" id="{65A0E1D0-2D18-FE44-B268-36206B8C5E15}"/>
+                <a16:creationId xmlns:a16="http://schemas.microsoft.com/office/drawing/2014/main" id="{029B22C2-2C9E-8578-3FDA-AAD075240384}"/>
               </a:ext>
             </a:extLst>
           </p:cNvPr>
@@ -658,7 +658,7 @@
           <a:bodyPr/>
           <a:lstStyle/>
           <a:p>
-            <a:fld id="{1718DC21-84C5-4FEF-A11C-8E92089C6D58}" type="datetimeFigureOut">
+            <a:fld id="{40240B52-655D-4FF4-8F82-FCFC3BB98ECE}" type="datetimeFigureOut">
               <a:rPr lang="zh-CN" altLang="en-US" smtClean="0"/>
               <a:t>2024/3/10</a:t>
             </a:fld>
@@ -671,7 +671,7 @@
           <p:cNvPr id="5" name="页脚占位符 4">
             <a:extLst>
               <a:ext uri="{FF2B5EF4-FFF2-40B4-BE49-F238E27FC236}">
-                <a16:creationId xmlns:a16="http://schemas.microsoft.com/office/drawing/2014/main" id="{1B106A1C-04EC-93FC-D5D4-A012CB7023B3}"/>
+                <a16:creationId xmlns:a16="http://schemas.microsoft.com/office/drawing/2014/main" id="{A27B121A-BAED-BDA7-C7F1-F22EF4761761}"/>
               </a:ext>
             </a:extLst>
           </p:cNvPr>
@@ -696,7 +696,7 @@
           <p:cNvPr id="6" name="灯片编号占位符 5">
             <a:extLst>
               <a:ext uri="{FF2B5EF4-FFF2-40B4-BE49-F238E27FC236}">
-                <a16:creationId xmlns:a16="http://schemas.microsoft.com/office/drawing/2014/main" id="{CC72E48A-5E08-0DB8-A1FF-1123BDC86F01}"/>
+                <a16:creationId xmlns:a16="http://schemas.microsoft.com/office/drawing/2014/main" id="{6597CCE0-EC09-C694-23ED-FFD3C619CC4C}"/>
               </a:ext>
             </a:extLst>
           </p:cNvPr>
@@ -712,7 +712,7 @@
           <a:bodyPr/>
           <a:lstStyle/>
           <a:p>
-            <a:fld id="{AD999DCA-BB90-40DD-B956-088A76D67ECE}" type="slidenum">
+            <a:fld id="{D0B570D4-15F4-45D7-8690-9093D6ADD88A}" type="slidenum">
               <a:rPr lang="zh-CN" altLang="en-US" smtClean="0"/>
               <a:t>‹#›</a:t>
             </a:fld>
@@ -723,7 +723,7 @@
     </p:spTree>
     <p:extLst>
       <p:ext uri="{BB962C8B-B14F-4D97-AF65-F5344CB8AC3E}">
-        <p14:creationId xmlns:p14="http://schemas.microsoft.com/office/powerpoint/2010/main" val="100988548"/>
+        <p14:creationId xmlns:p14="http://schemas.microsoft.com/office/powerpoint/2010/main" val="2302778712"/>
       </p:ext>
     </p:extLst>
   </p:cSld>
@@ -755,7 +755,7 @@
           <p:cNvPr id="2" name="标题 1">
             <a:extLst>
               <a:ext uri="{FF2B5EF4-FFF2-40B4-BE49-F238E27FC236}">
-                <a16:creationId xmlns:a16="http://schemas.microsoft.com/office/drawing/2014/main" id="{D0AEF2E3-CCC8-37BF-B79C-BB3374325175}"/>
+                <a16:creationId xmlns:a16="http://schemas.microsoft.com/office/drawing/2014/main" id="{A151D6D5-2A59-8F80-457D-7AACF3151CBF}"/>
               </a:ext>
             </a:extLst>
           </p:cNvPr>
@@ -783,7 +783,7 @@
           <p:cNvPr id="3" name="内容占位符 2">
             <a:extLst>
               <a:ext uri="{FF2B5EF4-FFF2-40B4-BE49-F238E27FC236}">
-                <a16:creationId xmlns:a16="http://schemas.microsoft.com/office/drawing/2014/main" id="{B36AE241-93E4-E4EF-5565-6BFE863776A1}"/>
+                <a16:creationId xmlns:a16="http://schemas.microsoft.com/office/drawing/2014/main" id="{8CE422B0-EA01-BCB3-7B93-5EA120D607FF}"/>
               </a:ext>
             </a:extLst>
           </p:cNvPr>
@@ -840,7 +840,7 @@
           <p:cNvPr id="4" name="日期占位符 3">
             <a:extLst>
               <a:ext uri="{FF2B5EF4-FFF2-40B4-BE49-F238E27FC236}">
-                <a16:creationId xmlns:a16="http://schemas.microsoft.com/office/drawing/2014/main" id="{6EE5865A-BEEA-C62C-8ADD-F5CF3E14186D}"/>
+                <a16:creationId xmlns:a16="http://schemas.microsoft.com/office/drawing/2014/main" id="{A88C2051-3A9A-48D4-6B4A-4583C9A89CA9}"/>
               </a:ext>
             </a:extLst>
           </p:cNvPr>
@@ -856,7 +856,7 @@
           <a:bodyPr/>
           <a:lstStyle/>
           <a:p>
-            <a:fld id="{1718DC21-84C5-4FEF-A11C-8E92089C6D58}" type="datetimeFigureOut">
+            <a:fld id="{40240B52-655D-4FF4-8F82-FCFC3BB98ECE}" type="datetimeFigureOut">
               <a:rPr lang="zh-CN" altLang="en-US" smtClean="0"/>
               <a:t>2024/3/10</a:t>
             </a:fld>
@@ -869,7 +869,7 @@
           <p:cNvPr id="5" name="页脚占位符 4">
             <a:extLst>
               <a:ext uri="{FF2B5EF4-FFF2-40B4-BE49-F238E27FC236}">
-                <a16:creationId xmlns:a16="http://schemas.microsoft.com/office/drawing/2014/main" id="{9F214BC6-C147-2FC0-DD3F-D87679668497}"/>
+                <a16:creationId xmlns:a16="http://schemas.microsoft.com/office/drawing/2014/main" id="{83F5D344-D611-B4AE-5A79-62FC967E6B99}"/>
               </a:ext>
             </a:extLst>
           </p:cNvPr>
@@ -894,7 +894,7 @@
           <p:cNvPr id="6" name="灯片编号占位符 5">
             <a:extLst>
               <a:ext uri="{FF2B5EF4-FFF2-40B4-BE49-F238E27FC236}">
-                <a16:creationId xmlns:a16="http://schemas.microsoft.com/office/drawing/2014/main" id="{CC94D2ED-E15C-9653-53E3-4D980D47610D}"/>
+                <a16:creationId xmlns:a16="http://schemas.microsoft.com/office/drawing/2014/main" id="{63E2B273-CCB4-62C2-79C8-301B017DEA0C}"/>
               </a:ext>
             </a:extLst>
           </p:cNvPr>
@@ -910,7 +910,7 @@
           <a:bodyPr/>
           <a:lstStyle/>
           <a:p>
-            <a:fld id="{AD999DCA-BB90-40DD-B956-088A76D67ECE}" type="slidenum">
+            <a:fld id="{D0B570D4-15F4-45D7-8690-9093D6ADD88A}" type="slidenum">
               <a:rPr lang="zh-CN" altLang="en-US" smtClean="0"/>
               <a:t>‹#›</a:t>
             </a:fld>
@@ -921,7 +921,7 @@
     </p:spTree>
     <p:extLst>
       <p:ext uri="{BB962C8B-B14F-4D97-AF65-F5344CB8AC3E}">
-        <p14:creationId xmlns:p14="http://schemas.microsoft.com/office/powerpoint/2010/main" val="3891066138"/>
+        <p14:creationId xmlns:p14="http://schemas.microsoft.com/office/powerpoint/2010/main" val="2290982918"/>
       </p:ext>
     </p:extLst>
   </p:cSld>
@@ -953,7 +953,7 @@
           <p:cNvPr id="2" name="标题 1">
             <a:extLst>
               <a:ext uri="{FF2B5EF4-FFF2-40B4-BE49-F238E27FC236}">
-                <a16:creationId xmlns:a16="http://schemas.microsoft.com/office/drawing/2014/main" id="{A1762410-35C5-AEF1-F207-2F3931592C09}"/>
+                <a16:creationId xmlns:a16="http://schemas.microsoft.com/office/drawing/2014/main" id="{FABF9B34-3D99-26A6-4B18-E23701D06FA2}"/>
               </a:ext>
             </a:extLst>
           </p:cNvPr>
@@ -990,7 +990,7 @@
           <p:cNvPr id="3" name="文本占位符 2">
             <a:extLst>
               <a:ext uri="{FF2B5EF4-FFF2-40B4-BE49-F238E27FC236}">
-                <a16:creationId xmlns:a16="http://schemas.microsoft.com/office/drawing/2014/main" id="{1D5F7E0D-C898-269D-3C57-0CFEAAAA6F5B}"/>
+                <a16:creationId xmlns:a16="http://schemas.microsoft.com/office/drawing/2014/main" id="{DE3CE4AD-FC64-FDB4-2A55-E253003EE8D6}"/>
               </a:ext>
             </a:extLst>
           </p:cNvPr>
@@ -1115,7 +1115,7 @@
           <p:cNvPr id="4" name="日期占位符 3">
             <a:extLst>
               <a:ext uri="{FF2B5EF4-FFF2-40B4-BE49-F238E27FC236}">
-                <a16:creationId xmlns:a16="http://schemas.microsoft.com/office/drawing/2014/main" id="{8A511004-B3D5-8419-A929-90E20643AD8A}"/>
+                <a16:creationId xmlns:a16="http://schemas.microsoft.com/office/drawing/2014/main" id="{61D60DA6-A0C3-5C59-B8AE-F9A23AEF14B5}"/>
               </a:ext>
             </a:extLst>
           </p:cNvPr>
@@ -1131,7 +1131,7 @@
           <a:bodyPr/>
           <a:lstStyle/>
           <a:p>
-            <a:fld id="{1718DC21-84C5-4FEF-A11C-8E92089C6D58}" type="datetimeFigureOut">
+            <a:fld id="{40240B52-655D-4FF4-8F82-FCFC3BB98ECE}" type="datetimeFigureOut">
               <a:rPr lang="zh-CN" altLang="en-US" smtClean="0"/>
               <a:t>2024/3/10</a:t>
             </a:fld>
@@ -1144,7 +1144,7 @@
           <p:cNvPr id="5" name="页脚占位符 4">
             <a:extLst>
               <a:ext uri="{FF2B5EF4-FFF2-40B4-BE49-F238E27FC236}">
-                <a16:creationId xmlns:a16="http://schemas.microsoft.com/office/drawing/2014/main" id="{6E0BB5D6-D9BA-EA4E-132C-F66AF0D3ECAA}"/>
+                <a16:creationId xmlns:a16="http://schemas.microsoft.com/office/drawing/2014/main" id="{06C41948-C232-DAB8-BDC6-DAFA2B8F0E8A}"/>
               </a:ext>
             </a:extLst>
           </p:cNvPr>
@@ -1169,7 +1169,7 @@
           <p:cNvPr id="6" name="灯片编号占位符 5">
             <a:extLst>
               <a:ext uri="{FF2B5EF4-FFF2-40B4-BE49-F238E27FC236}">
-                <a16:creationId xmlns:a16="http://schemas.microsoft.com/office/drawing/2014/main" id="{67BBD3FD-755F-BA29-F646-088B0A445892}"/>
+                <a16:creationId xmlns:a16="http://schemas.microsoft.com/office/drawing/2014/main" id="{74C6BC45-0646-DDFC-A2AE-F41BE2F1B76E}"/>
               </a:ext>
             </a:extLst>
           </p:cNvPr>
@@ -1185,7 +1185,7 @@
           <a:bodyPr/>
           <a:lstStyle/>
           <a:p>
-            <a:fld id="{AD999DCA-BB90-40DD-B956-088A76D67ECE}" type="slidenum">
+            <a:fld id="{D0B570D4-15F4-45D7-8690-9093D6ADD88A}" type="slidenum">
               <a:rPr lang="zh-CN" altLang="en-US" smtClean="0"/>
               <a:t>‹#›</a:t>
             </a:fld>
@@ -1196,7 +1196,7 @@
     </p:spTree>
     <p:extLst>
       <p:ext uri="{BB962C8B-B14F-4D97-AF65-F5344CB8AC3E}">
-        <p14:creationId xmlns:p14="http://schemas.microsoft.com/office/powerpoint/2010/main" val="671034641"/>
+        <p14:creationId xmlns:p14="http://schemas.microsoft.com/office/powerpoint/2010/main" val="1192895384"/>
       </p:ext>
     </p:extLst>
   </p:cSld>
@@ -1228,7 +1228,7 @@
           <p:cNvPr id="2" name="标题 1">
             <a:extLst>
               <a:ext uri="{FF2B5EF4-FFF2-40B4-BE49-F238E27FC236}">
-                <a16:creationId xmlns:a16="http://schemas.microsoft.com/office/drawing/2014/main" id="{5938E5F4-5FFD-85CF-E26C-63181CAF1804}"/>
+                <a16:creationId xmlns:a16="http://schemas.microsoft.com/office/drawing/2014/main" id="{616A55E0-2A50-A37F-3147-44110549A389}"/>
               </a:ext>
             </a:extLst>
           </p:cNvPr>
@@ -1256,7 +1256,7 @@
           <p:cNvPr id="3" name="内容占位符 2">
             <a:extLst>
               <a:ext uri="{FF2B5EF4-FFF2-40B4-BE49-F238E27FC236}">
-                <a16:creationId xmlns:a16="http://schemas.microsoft.com/office/drawing/2014/main" id="{AB19AB97-53B7-6C13-CF00-B6D337BC3BE4}"/>
+                <a16:creationId xmlns:a16="http://schemas.microsoft.com/office/drawing/2014/main" id="{BFD6CDD7-751C-AB25-DCCC-17486105000C}"/>
               </a:ext>
             </a:extLst>
           </p:cNvPr>
@@ -1318,7 +1318,7 @@
           <p:cNvPr id="4" name="内容占位符 3">
             <a:extLst>
               <a:ext uri="{FF2B5EF4-FFF2-40B4-BE49-F238E27FC236}">
-                <a16:creationId xmlns:a16="http://schemas.microsoft.com/office/drawing/2014/main" id="{05BD8838-E690-A45B-A088-4F96C62BF90D}"/>
+                <a16:creationId xmlns:a16="http://schemas.microsoft.com/office/drawing/2014/main" id="{F912B099-9C5A-40A2-DC80-D9F3A6832CF9}"/>
               </a:ext>
             </a:extLst>
           </p:cNvPr>
@@ -1380,7 +1380,7 @@
           <p:cNvPr id="5" name="日期占位符 4">
             <a:extLst>
               <a:ext uri="{FF2B5EF4-FFF2-40B4-BE49-F238E27FC236}">
-                <a16:creationId xmlns:a16="http://schemas.microsoft.com/office/drawing/2014/main" id="{255713C0-1261-8614-AAE1-2C7569AF9E16}"/>
+                <a16:creationId xmlns:a16="http://schemas.microsoft.com/office/drawing/2014/main" id="{5256EFF3-EE16-C7AE-EF82-7A62891045E4}"/>
               </a:ext>
             </a:extLst>
           </p:cNvPr>
@@ -1396,7 +1396,7 @@
           <a:bodyPr/>
           <a:lstStyle/>
           <a:p>
-            <a:fld id="{1718DC21-84C5-4FEF-A11C-8E92089C6D58}" type="datetimeFigureOut">
+            <a:fld id="{40240B52-655D-4FF4-8F82-FCFC3BB98ECE}" type="datetimeFigureOut">
               <a:rPr lang="zh-CN" altLang="en-US" smtClean="0"/>
               <a:t>2024/3/10</a:t>
             </a:fld>
@@ -1409,7 +1409,7 @@
           <p:cNvPr id="6" name="页脚占位符 5">
             <a:extLst>
               <a:ext uri="{FF2B5EF4-FFF2-40B4-BE49-F238E27FC236}">
-                <a16:creationId xmlns:a16="http://schemas.microsoft.com/office/drawing/2014/main" id="{301619A3-6565-3B2E-A45E-55663A43D538}"/>
+                <a16:creationId xmlns:a16="http://schemas.microsoft.com/office/drawing/2014/main" id="{842BB77F-803F-1925-F102-A5DB0AC56988}"/>
               </a:ext>
             </a:extLst>
           </p:cNvPr>
@@ -1434,7 +1434,7 @@
           <p:cNvPr id="7" name="灯片编号占位符 6">
             <a:extLst>
               <a:ext uri="{FF2B5EF4-FFF2-40B4-BE49-F238E27FC236}">
-                <a16:creationId xmlns:a16="http://schemas.microsoft.com/office/drawing/2014/main" id="{558B0824-82F5-859F-25EC-351D6C4C02F1}"/>
+                <a16:creationId xmlns:a16="http://schemas.microsoft.com/office/drawing/2014/main" id="{98979407-9058-9056-1D17-AE0140DC9ECF}"/>
               </a:ext>
             </a:extLst>
           </p:cNvPr>
@@ -1450,7 +1450,7 @@
           <a:bodyPr/>
           <a:lstStyle/>
           <a:p>
-            <a:fld id="{AD999DCA-BB90-40DD-B956-088A76D67ECE}" type="slidenum">
+            <a:fld id="{D0B570D4-15F4-45D7-8690-9093D6ADD88A}" type="slidenum">
               <a:rPr lang="zh-CN" altLang="en-US" smtClean="0"/>
               <a:t>‹#›</a:t>
             </a:fld>
@@ -1461,7 +1461,7 @@
     </p:spTree>
     <p:extLst>
       <p:ext uri="{BB962C8B-B14F-4D97-AF65-F5344CB8AC3E}">
-        <p14:creationId xmlns:p14="http://schemas.microsoft.com/office/powerpoint/2010/main" val="3516891659"/>
+        <p14:creationId xmlns:p14="http://schemas.microsoft.com/office/powerpoint/2010/main" val="3130567876"/>
       </p:ext>
     </p:extLst>
   </p:cSld>
@@ -1493,7 +1493,7 @@
           <p:cNvPr id="2" name="标题 1">
             <a:extLst>
               <a:ext uri="{FF2B5EF4-FFF2-40B4-BE49-F238E27FC236}">
-                <a16:creationId xmlns:a16="http://schemas.microsoft.com/office/drawing/2014/main" id="{0019A801-94A9-668C-2305-13A1C91FC7FA}"/>
+                <a16:creationId xmlns:a16="http://schemas.microsoft.com/office/drawing/2014/main" id="{1E824806-A405-4AD8-BFD8-E7D3E39549F1}"/>
               </a:ext>
             </a:extLst>
           </p:cNvPr>
@@ -1526,7 +1526,7 @@
           <p:cNvPr id="3" name="文本占位符 2">
             <a:extLst>
               <a:ext uri="{FF2B5EF4-FFF2-40B4-BE49-F238E27FC236}">
-                <a16:creationId xmlns:a16="http://schemas.microsoft.com/office/drawing/2014/main" id="{3BF7889D-59E4-A92D-C3FF-39052463C1F0}"/>
+                <a16:creationId xmlns:a16="http://schemas.microsoft.com/office/drawing/2014/main" id="{D8B35F1E-18BE-CE99-7A3D-23F8B452F451}"/>
               </a:ext>
             </a:extLst>
           </p:cNvPr>
@@ -1597,7 +1597,7 @@
           <p:cNvPr id="4" name="内容占位符 3">
             <a:extLst>
               <a:ext uri="{FF2B5EF4-FFF2-40B4-BE49-F238E27FC236}">
-                <a16:creationId xmlns:a16="http://schemas.microsoft.com/office/drawing/2014/main" id="{6DFF2478-3524-838D-7BF7-5C3B2C395F4E}"/>
+                <a16:creationId xmlns:a16="http://schemas.microsoft.com/office/drawing/2014/main" id="{7D6E5610-9822-073C-818C-F33AE942A533}"/>
               </a:ext>
             </a:extLst>
           </p:cNvPr>
@@ -1659,7 +1659,7 @@
           <p:cNvPr id="5" name="文本占位符 4">
             <a:extLst>
               <a:ext uri="{FF2B5EF4-FFF2-40B4-BE49-F238E27FC236}">
-                <a16:creationId xmlns:a16="http://schemas.microsoft.com/office/drawing/2014/main" id="{7E8D37FA-8495-580A-54B9-DBEE90A57EE8}"/>
+                <a16:creationId xmlns:a16="http://schemas.microsoft.com/office/drawing/2014/main" id="{0F55A042-2600-1BB1-B8A2-AF2A40683AF6}"/>
               </a:ext>
             </a:extLst>
           </p:cNvPr>
@@ -1730,7 +1730,7 @@
           <p:cNvPr id="6" name="内容占位符 5">
             <a:extLst>
               <a:ext uri="{FF2B5EF4-FFF2-40B4-BE49-F238E27FC236}">
-                <a16:creationId xmlns:a16="http://schemas.microsoft.com/office/drawing/2014/main" id="{5553905C-F29C-AC53-F49D-F827023D5F21}"/>
+                <a16:creationId xmlns:a16="http://schemas.microsoft.com/office/drawing/2014/main" id="{26789D83-3C9F-503F-4E63-CCEC444E018E}"/>
               </a:ext>
             </a:extLst>
           </p:cNvPr>
@@ -1792,7 +1792,7 @@
           <p:cNvPr id="7" name="日期占位符 6">
             <a:extLst>
               <a:ext uri="{FF2B5EF4-FFF2-40B4-BE49-F238E27FC236}">
-                <a16:creationId xmlns:a16="http://schemas.microsoft.com/office/drawing/2014/main" id="{521829BB-C0C4-FA86-DD49-819D5980A90D}"/>
+                <a16:creationId xmlns:a16="http://schemas.microsoft.com/office/drawing/2014/main" id="{71A1B7A4-067D-3110-BD0F-CFB1F01D5D2E}"/>
               </a:ext>
             </a:extLst>
           </p:cNvPr>
@@ -1808,7 +1808,7 @@
           <a:bodyPr/>
           <a:lstStyle/>
           <a:p>
-            <a:fld id="{1718DC21-84C5-4FEF-A11C-8E92089C6D58}" type="datetimeFigureOut">
+            <a:fld id="{40240B52-655D-4FF4-8F82-FCFC3BB98ECE}" type="datetimeFigureOut">
               <a:rPr lang="zh-CN" altLang="en-US" smtClean="0"/>
               <a:t>2024/3/10</a:t>
             </a:fld>
@@ -1821,7 +1821,7 @@
           <p:cNvPr id="8" name="页脚占位符 7">
             <a:extLst>
               <a:ext uri="{FF2B5EF4-FFF2-40B4-BE49-F238E27FC236}">
-                <a16:creationId xmlns:a16="http://schemas.microsoft.com/office/drawing/2014/main" id="{84984382-E8BB-7F2D-342C-12BD2FAAACA8}"/>
+                <a16:creationId xmlns:a16="http://schemas.microsoft.com/office/drawing/2014/main" id="{B0AF525B-DD26-C037-97C0-14E7120DDF5A}"/>
               </a:ext>
             </a:extLst>
           </p:cNvPr>
@@ -1846,7 +1846,7 @@
           <p:cNvPr id="9" name="灯片编号占位符 8">
             <a:extLst>
               <a:ext uri="{FF2B5EF4-FFF2-40B4-BE49-F238E27FC236}">
-                <a16:creationId xmlns:a16="http://schemas.microsoft.com/office/drawing/2014/main" id="{5322BD27-92C4-B834-BB00-18B916E50E39}"/>
+                <a16:creationId xmlns:a16="http://schemas.microsoft.com/office/drawing/2014/main" id="{15DEC204-C00F-DF15-4D66-8BCF6938649A}"/>
               </a:ext>
             </a:extLst>
           </p:cNvPr>
@@ -1862,7 +1862,7 @@
           <a:bodyPr/>
           <a:lstStyle/>
           <a:p>
-            <a:fld id="{AD999DCA-BB90-40DD-B956-088A76D67ECE}" type="slidenum">
+            <a:fld id="{D0B570D4-15F4-45D7-8690-9093D6ADD88A}" type="slidenum">
               <a:rPr lang="zh-CN" altLang="en-US" smtClean="0"/>
               <a:t>‹#›</a:t>
             </a:fld>
@@ -1873,7 +1873,7 @@
     </p:spTree>
     <p:extLst>
       <p:ext uri="{BB962C8B-B14F-4D97-AF65-F5344CB8AC3E}">
-        <p14:creationId xmlns:p14="http://schemas.microsoft.com/office/powerpoint/2010/main" val="2960876267"/>
+        <p14:creationId xmlns:p14="http://schemas.microsoft.com/office/powerpoint/2010/main" val="1607771334"/>
       </p:ext>
     </p:extLst>
   </p:cSld>
@@ -1905,7 +1905,7 @@
           <p:cNvPr id="2" name="标题 1">
             <a:extLst>
               <a:ext uri="{FF2B5EF4-FFF2-40B4-BE49-F238E27FC236}">
-                <a16:creationId xmlns:a16="http://schemas.microsoft.com/office/drawing/2014/main" id="{9E0902A1-4DC1-03E7-7978-48DE583B6489}"/>
+                <a16:creationId xmlns:a16="http://schemas.microsoft.com/office/drawing/2014/main" id="{9B2D2E1A-60FE-0B1C-DA5A-4D5E1EE7F0E2}"/>
               </a:ext>
             </a:extLst>
           </p:cNvPr>
@@ -1933,7 +1933,7 @@
           <p:cNvPr id="3" name="日期占位符 2">
             <a:extLst>
               <a:ext uri="{FF2B5EF4-FFF2-40B4-BE49-F238E27FC236}">
-                <a16:creationId xmlns:a16="http://schemas.microsoft.com/office/drawing/2014/main" id="{6DB7CA12-151B-638B-E19B-A0255993E71F}"/>
+                <a16:creationId xmlns:a16="http://schemas.microsoft.com/office/drawing/2014/main" id="{9B8C63B6-EB01-2CB4-A9EC-547A8C1218A9}"/>
               </a:ext>
             </a:extLst>
           </p:cNvPr>
@@ -1949,7 +1949,7 @@
           <a:bodyPr/>
           <a:lstStyle/>
           <a:p>
-            <a:fld id="{1718DC21-84C5-4FEF-A11C-8E92089C6D58}" type="datetimeFigureOut">
+            <a:fld id="{40240B52-655D-4FF4-8F82-FCFC3BB98ECE}" type="datetimeFigureOut">
               <a:rPr lang="zh-CN" altLang="en-US" smtClean="0"/>
               <a:t>2024/3/10</a:t>
             </a:fld>
@@ -1962,7 +1962,7 @@
           <p:cNvPr id="4" name="页脚占位符 3">
             <a:extLst>
               <a:ext uri="{FF2B5EF4-FFF2-40B4-BE49-F238E27FC236}">
-                <a16:creationId xmlns:a16="http://schemas.microsoft.com/office/drawing/2014/main" id="{F15A33D4-5F1E-4D15-3D90-4D66DD399873}"/>
+                <a16:creationId xmlns:a16="http://schemas.microsoft.com/office/drawing/2014/main" id="{D2EA1143-E8AB-9B02-F6EB-0DD61BCC8EF8}"/>
               </a:ext>
             </a:extLst>
           </p:cNvPr>
@@ -1987,7 +1987,7 @@
           <p:cNvPr id="5" name="灯片编号占位符 4">
             <a:extLst>
               <a:ext uri="{FF2B5EF4-FFF2-40B4-BE49-F238E27FC236}">
-                <a16:creationId xmlns:a16="http://schemas.microsoft.com/office/drawing/2014/main" id="{7BC7208E-B09D-87E6-87E8-99049714D29A}"/>
+                <a16:creationId xmlns:a16="http://schemas.microsoft.com/office/drawing/2014/main" id="{D7AE135E-B5C6-06E6-19EB-846B4F97E267}"/>
               </a:ext>
             </a:extLst>
           </p:cNvPr>
@@ -2003,7 +2003,7 @@
           <a:bodyPr/>
           <a:lstStyle/>
           <a:p>
-            <a:fld id="{AD999DCA-BB90-40DD-B956-088A76D67ECE}" type="slidenum">
+            <a:fld id="{D0B570D4-15F4-45D7-8690-9093D6ADD88A}" type="slidenum">
               <a:rPr lang="zh-CN" altLang="en-US" smtClean="0"/>
               <a:t>‹#›</a:t>
             </a:fld>
@@ -2014,7 +2014,7 @@
     </p:spTree>
     <p:extLst>
       <p:ext uri="{BB962C8B-B14F-4D97-AF65-F5344CB8AC3E}">
-        <p14:creationId xmlns:p14="http://schemas.microsoft.com/office/powerpoint/2010/main" val="4034035177"/>
+        <p14:creationId xmlns:p14="http://schemas.microsoft.com/office/powerpoint/2010/main" val="1455142287"/>
       </p:ext>
     </p:extLst>
   </p:cSld>
@@ -2046,7 +2046,7 @@
           <p:cNvPr id="2" name="日期占位符 1">
             <a:extLst>
               <a:ext uri="{FF2B5EF4-FFF2-40B4-BE49-F238E27FC236}">
-                <a16:creationId xmlns:a16="http://schemas.microsoft.com/office/drawing/2014/main" id="{378D2FA4-2718-2BEF-9C7A-84C31386F18D}"/>
+                <a16:creationId xmlns:a16="http://schemas.microsoft.com/office/drawing/2014/main" id="{BAFE3CDC-89EF-BE70-BB6C-C8F4400AAFD1}"/>
               </a:ext>
             </a:extLst>
           </p:cNvPr>
@@ -2062,7 +2062,7 @@
           <a:bodyPr/>
           <a:lstStyle/>
           <a:p>
-            <a:fld id="{1718DC21-84C5-4FEF-A11C-8E92089C6D58}" type="datetimeFigureOut">
+            <a:fld id="{40240B52-655D-4FF4-8F82-FCFC3BB98ECE}" type="datetimeFigureOut">
               <a:rPr lang="zh-CN" altLang="en-US" smtClean="0"/>
               <a:t>2024/3/10</a:t>
             </a:fld>
@@ -2075,7 +2075,7 @@
           <p:cNvPr id="3" name="页脚占位符 2">
             <a:extLst>
               <a:ext uri="{FF2B5EF4-FFF2-40B4-BE49-F238E27FC236}">
-                <a16:creationId xmlns:a16="http://schemas.microsoft.com/office/drawing/2014/main" id="{17951F6D-1E1B-A0CC-828F-382125429A89}"/>
+                <a16:creationId xmlns:a16="http://schemas.microsoft.com/office/drawing/2014/main" id="{E8143295-4417-4504-2367-E1E64A8C9BEB}"/>
               </a:ext>
             </a:extLst>
           </p:cNvPr>
@@ -2100,7 +2100,7 @@
           <p:cNvPr id="4" name="灯片编号占位符 3">
             <a:extLst>
               <a:ext uri="{FF2B5EF4-FFF2-40B4-BE49-F238E27FC236}">
-                <a16:creationId xmlns:a16="http://schemas.microsoft.com/office/drawing/2014/main" id="{97A9B793-3F5B-F81D-17D3-A933C9F49CED}"/>
+                <a16:creationId xmlns:a16="http://schemas.microsoft.com/office/drawing/2014/main" id="{8E8AC864-45AC-558C-5F3E-9E837137774F}"/>
               </a:ext>
             </a:extLst>
           </p:cNvPr>
@@ -2116,7 +2116,7 @@
           <a:bodyPr/>
           <a:lstStyle/>
           <a:p>
-            <a:fld id="{AD999DCA-BB90-40DD-B956-088A76D67ECE}" type="slidenum">
+            <a:fld id="{D0B570D4-15F4-45D7-8690-9093D6ADD88A}" type="slidenum">
               <a:rPr lang="zh-CN" altLang="en-US" smtClean="0"/>
               <a:t>‹#›</a:t>
             </a:fld>
@@ -2127,7 +2127,7 @@
     </p:spTree>
     <p:extLst>
       <p:ext uri="{BB962C8B-B14F-4D97-AF65-F5344CB8AC3E}">
-        <p14:creationId xmlns:p14="http://schemas.microsoft.com/office/powerpoint/2010/main" val="4191965694"/>
+        <p14:creationId xmlns:p14="http://schemas.microsoft.com/office/powerpoint/2010/main" val="97392422"/>
       </p:ext>
     </p:extLst>
   </p:cSld>
@@ -2159,7 +2159,7 @@
           <p:cNvPr id="2" name="标题 1">
             <a:extLst>
               <a:ext uri="{FF2B5EF4-FFF2-40B4-BE49-F238E27FC236}">
-                <a16:creationId xmlns:a16="http://schemas.microsoft.com/office/drawing/2014/main" id="{960DE484-9250-636A-0D4C-CB2AA9B4638E}"/>
+                <a16:creationId xmlns:a16="http://schemas.microsoft.com/office/drawing/2014/main" id="{6DB6072D-757B-CB97-22BF-7AAAB86CD4A7}"/>
               </a:ext>
             </a:extLst>
           </p:cNvPr>
@@ -2196,7 +2196,7 @@
           <p:cNvPr id="3" name="内容占位符 2">
             <a:extLst>
               <a:ext uri="{FF2B5EF4-FFF2-40B4-BE49-F238E27FC236}">
-                <a16:creationId xmlns:a16="http://schemas.microsoft.com/office/drawing/2014/main" id="{BCE499AE-52E5-D5FE-0179-7C1BC171B078}"/>
+                <a16:creationId xmlns:a16="http://schemas.microsoft.com/office/drawing/2014/main" id="{37E1491D-0106-0BEF-7815-3DCB40C1A307}"/>
               </a:ext>
             </a:extLst>
           </p:cNvPr>
@@ -2286,7 +2286,7 @@
           <p:cNvPr id="4" name="文本占位符 3">
             <a:extLst>
               <a:ext uri="{FF2B5EF4-FFF2-40B4-BE49-F238E27FC236}">
-                <a16:creationId xmlns:a16="http://schemas.microsoft.com/office/drawing/2014/main" id="{E07D472E-EE07-C704-1540-DDC310D9A1F5}"/>
+                <a16:creationId xmlns:a16="http://schemas.microsoft.com/office/drawing/2014/main" id="{626D234E-4063-7AC7-56E1-B204E9F75DFF}"/>
               </a:ext>
             </a:extLst>
           </p:cNvPr>
@@ -2357,7 +2357,7 @@
           <p:cNvPr id="5" name="日期占位符 4">
             <a:extLst>
               <a:ext uri="{FF2B5EF4-FFF2-40B4-BE49-F238E27FC236}">
-                <a16:creationId xmlns:a16="http://schemas.microsoft.com/office/drawing/2014/main" id="{FC03CB0F-CC66-941D-C02F-B652FA986C4F}"/>
+                <a16:creationId xmlns:a16="http://schemas.microsoft.com/office/drawing/2014/main" id="{93A4AE86-9B6C-9187-035B-2368A18BD429}"/>
               </a:ext>
             </a:extLst>
           </p:cNvPr>
@@ -2373,7 +2373,7 @@
           <a:bodyPr/>
           <a:lstStyle/>
           <a:p>
-            <a:fld id="{1718DC21-84C5-4FEF-A11C-8E92089C6D58}" type="datetimeFigureOut">
+            <a:fld id="{40240B52-655D-4FF4-8F82-FCFC3BB98ECE}" type="datetimeFigureOut">
               <a:rPr lang="zh-CN" altLang="en-US" smtClean="0"/>
               <a:t>2024/3/10</a:t>
             </a:fld>
@@ -2386,7 +2386,7 @@
           <p:cNvPr id="6" name="页脚占位符 5">
             <a:extLst>
               <a:ext uri="{FF2B5EF4-FFF2-40B4-BE49-F238E27FC236}">
-                <a16:creationId xmlns:a16="http://schemas.microsoft.com/office/drawing/2014/main" id="{B7E87016-DDC9-7ED9-5356-8383288B6D6B}"/>
+                <a16:creationId xmlns:a16="http://schemas.microsoft.com/office/drawing/2014/main" id="{EABB7894-B45C-A8DA-4660-E2E588BFBB41}"/>
               </a:ext>
             </a:extLst>
           </p:cNvPr>
@@ -2411,7 +2411,7 @@
           <p:cNvPr id="7" name="灯片编号占位符 6">
             <a:extLst>
               <a:ext uri="{FF2B5EF4-FFF2-40B4-BE49-F238E27FC236}">
-                <a16:creationId xmlns:a16="http://schemas.microsoft.com/office/drawing/2014/main" id="{04EEAA39-72E8-DADA-D7AA-6572FDFEB356}"/>
+                <a16:creationId xmlns:a16="http://schemas.microsoft.com/office/drawing/2014/main" id="{BAE58BC8-A461-046A-C28B-34DFBC2F7285}"/>
               </a:ext>
             </a:extLst>
           </p:cNvPr>
@@ -2427,7 +2427,7 @@
           <a:bodyPr/>
           <a:lstStyle/>
           <a:p>
-            <a:fld id="{AD999DCA-BB90-40DD-B956-088A76D67ECE}" type="slidenum">
+            <a:fld id="{D0B570D4-15F4-45D7-8690-9093D6ADD88A}" type="slidenum">
               <a:rPr lang="zh-CN" altLang="en-US" smtClean="0"/>
               <a:t>‹#›</a:t>
             </a:fld>
@@ -2438,7 +2438,7 @@
     </p:spTree>
     <p:extLst>
       <p:ext uri="{BB962C8B-B14F-4D97-AF65-F5344CB8AC3E}">
-        <p14:creationId xmlns:p14="http://schemas.microsoft.com/office/powerpoint/2010/main" val="2925327324"/>
+        <p14:creationId xmlns:p14="http://schemas.microsoft.com/office/powerpoint/2010/main" val="3011969260"/>
       </p:ext>
     </p:extLst>
   </p:cSld>
@@ -2470,7 +2470,7 @@
           <p:cNvPr id="2" name="标题 1">
             <a:extLst>
               <a:ext uri="{FF2B5EF4-FFF2-40B4-BE49-F238E27FC236}">
-                <a16:creationId xmlns:a16="http://schemas.microsoft.com/office/drawing/2014/main" id="{D2518681-0850-067E-55B2-779A14E59718}"/>
+                <a16:creationId xmlns:a16="http://schemas.microsoft.com/office/drawing/2014/main" id="{1EBE8126-3DB4-5A4D-B369-A16D287C0F7A}"/>
               </a:ext>
             </a:extLst>
           </p:cNvPr>
@@ -2507,7 +2507,7 @@
           <p:cNvPr id="3" name="图片占位符 2">
             <a:extLst>
               <a:ext uri="{FF2B5EF4-FFF2-40B4-BE49-F238E27FC236}">
-                <a16:creationId xmlns:a16="http://schemas.microsoft.com/office/drawing/2014/main" id="{46BFE380-EE03-D005-BEE9-07045013F564}"/>
+                <a16:creationId xmlns:a16="http://schemas.microsoft.com/office/drawing/2014/main" id="{A765F921-4C4C-76A8-441A-C52CD3208CC6}"/>
               </a:ext>
             </a:extLst>
           </p:cNvPr>
@@ -2574,7 +2574,7 @@
           <p:cNvPr id="4" name="文本占位符 3">
             <a:extLst>
               <a:ext uri="{FF2B5EF4-FFF2-40B4-BE49-F238E27FC236}">
-                <a16:creationId xmlns:a16="http://schemas.microsoft.com/office/drawing/2014/main" id="{B8C58BD9-C7EC-6B1D-4389-08132165F92B}"/>
+                <a16:creationId xmlns:a16="http://schemas.microsoft.com/office/drawing/2014/main" id="{EBC3AB77-4983-7F1D-53E6-187173E9CB24}"/>
               </a:ext>
             </a:extLst>
           </p:cNvPr>
@@ -2645,7 +2645,7 @@
           <p:cNvPr id="5" name="日期占位符 4">
             <a:extLst>
               <a:ext uri="{FF2B5EF4-FFF2-40B4-BE49-F238E27FC236}">
-                <a16:creationId xmlns:a16="http://schemas.microsoft.com/office/drawing/2014/main" id="{06A7B199-CDBB-268C-26B6-EE298FE72F54}"/>
+                <a16:creationId xmlns:a16="http://schemas.microsoft.com/office/drawing/2014/main" id="{FEAFB854-C36F-2597-A908-9DA91D75903F}"/>
               </a:ext>
             </a:extLst>
           </p:cNvPr>
@@ -2661,7 +2661,7 @@
           <a:bodyPr/>
           <a:lstStyle/>
           <a:p>
-            <a:fld id="{1718DC21-84C5-4FEF-A11C-8E92089C6D58}" type="datetimeFigureOut">
+            <a:fld id="{40240B52-655D-4FF4-8F82-FCFC3BB98ECE}" type="datetimeFigureOut">
               <a:rPr lang="zh-CN" altLang="en-US" smtClean="0"/>
               <a:t>2024/3/10</a:t>
             </a:fld>
@@ -2674,7 +2674,7 @@
           <p:cNvPr id="6" name="页脚占位符 5">
             <a:extLst>
               <a:ext uri="{FF2B5EF4-FFF2-40B4-BE49-F238E27FC236}">
-                <a16:creationId xmlns:a16="http://schemas.microsoft.com/office/drawing/2014/main" id="{30F29980-9269-4168-7750-2CC2FEFBC7F2}"/>
+                <a16:creationId xmlns:a16="http://schemas.microsoft.com/office/drawing/2014/main" id="{EC28E1BF-0E38-3C1E-0662-A60FE3F95245}"/>
               </a:ext>
             </a:extLst>
           </p:cNvPr>
@@ -2699,7 +2699,7 @@
           <p:cNvPr id="7" name="灯片编号占位符 6">
             <a:extLst>
               <a:ext uri="{FF2B5EF4-FFF2-40B4-BE49-F238E27FC236}">
-                <a16:creationId xmlns:a16="http://schemas.microsoft.com/office/drawing/2014/main" id="{3AC75F17-2D03-D548-880D-96EB789FFB99}"/>
+                <a16:creationId xmlns:a16="http://schemas.microsoft.com/office/drawing/2014/main" id="{E0FCF0F3-2A85-655D-310C-FC3EE87FDA3C}"/>
               </a:ext>
             </a:extLst>
           </p:cNvPr>
@@ -2715,7 +2715,7 @@
           <a:bodyPr/>
           <a:lstStyle/>
           <a:p>
-            <a:fld id="{AD999DCA-BB90-40DD-B956-088A76D67ECE}" type="slidenum">
+            <a:fld id="{D0B570D4-15F4-45D7-8690-9093D6ADD88A}" type="slidenum">
               <a:rPr lang="zh-CN" altLang="en-US" smtClean="0"/>
               <a:t>‹#›</a:t>
             </a:fld>
@@ -2726,7 +2726,7 @@
     </p:spTree>
     <p:extLst>
       <p:ext uri="{BB962C8B-B14F-4D97-AF65-F5344CB8AC3E}">
-        <p14:creationId xmlns:p14="http://schemas.microsoft.com/office/powerpoint/2010/main" val="2377796851"/>
+        <p14:creationId xmlns:p14="http://schemas.microsoft.com/office/powerpoint/2010/main" val="3107540822"/>
       </p:ext>
     </p:extLst>
   </p:cSld>
@@ -2763,7 +2763,7 @@
           <p:cNvPr id="2" name="标题占位符 1">
             <a:extLst>
               <a:ext uri="{FF2B5EF4-FFF2-40B4-BE49-F238E27FC236}">
-                <a16:creationId xmlns:a16="http://schemas.microsoft.com/office/drawing/2014/main" id="{5FE9B28C-19FE-7FD8-615A-DE026F888CE5}"/>
+                <a16:creationId xmlns:a16="http://schemas.microsoft.com/office/drawing/2014/main" id="{E5093C75-0B27-40C4-52C1-2C9515EF759B}"/>
               </a:ext>
             </a:extLst>
           </p:cNvPr>
@@ -2801,7 +2801,7 @@
           <p:cNvPr id="3" name="文本占位符 2">
             <a:extLst>
               <a:ext uri="{FF2B5EF4-FFF2-40B4-BE49-F238E27FC236}">
-                <a16:creationId xmlns:a16="http://schemas.microsoft.com/office/drawing/2014/main" id="{65160FC4-1A10-9902-9474-A0D095EFCBFE}"/>
+                <a16:creationId xmlns:a16="http://schemas.microsoft.com/office/drawing/2014/main" id="{B6C89405-F758-89FC-192D-8F3D3D15C6F3}"/>
               </a:ext>
             </a:extLst>
           </p:cNvPr>
@@ -2868,7 +2868,7 @@
           <p:cNvPr id="4" name="日期占位符 3">
             <a:extLst>
               <a:ext uri="{FF2B5EF4-FFF2-40B4-BE49-F238E27FC236}">
-                <a16:creationId xmlns:a16="http://schemas.microsoft.com/office/drawing/2014/main" id="{B10BF77A-ADD1-1564-B9D7-EA727346504C}"/>
+                <a16:creationId xmlns:a16="http://schemas.microsoft.com/office/drawing/2014/main" id="{27ACA232-FF79-EBA7-7350-E151B396CBF7}"/>
               </a:ext>
             </a:extLst>
           </p:cNvPr>
@@ -2902,7 +2902,7 @@
             </a:lvl1pPr>
           </a:lstStyle>
           <a:p>
-            <a:fld id="{1718DC21-84C5-4FEF-A11C-8E92089C6D58}" type="datetimeFigureOut">
+            <a:fld id="{40240B52-655D-4FF4-8F82-FCFC3BB98ECE}" type="datetimeFigureOut">
               <a:rPr lang="zh-CN" altLang="en-US" smtClean="0"/>
               <a:t>2024/3/10</a:t>
             </a:fld>
@@ -2915,7 +2915,7 @@
           <p:cNvPr id="5" name="页脚占位符 4">
             <a:extLst>
               <a:ext uri="{FF2B5EF4-FFF2-40B4-BE49-F238E27FC236}">
-                <a16:creationId xmlns:a16="http://schemas.microsoft.com/office/drawing/2014/main" id="{A195F9D1-66E6-6F25-31EC-ABDA0590804A}"/>
+                <a16:creationId xmlns:a16="http://schemas.microsoft.com/office/drawing/2014/main" id="{7B0812B7-DDA7-2E75-744F-65EE4D346223}"/>
               </a:ext>
             </a:extLst>
           </p:cNvPr>
@@ -2958,7 +2958,7 @@
           <p:cNvPr id="6" name="灯片编号占位符 5">
             <a:extLst>
               <a:ext uri="{FF2B5EF4-FFF2-40B4-BE49-F238E27FC236}">
-                <a16:creationId xmlns:a16="http://schemas.microsoft.com/office/drawing/2014/main" id="{9BA3B943-A8E2-52DF-D199-A7E3347EB95C}"/>
+                <a16:creationId xmlns:a16="http://schemas.microsoft.com/office/drawing/2014/main" id="{E974B7CB-5A2A-B151-8E51-B251C793D4B3}"/>
               </a:ext>
             </a:extLst>
           </p:cNvPr>
@@ -2992,7 +2992,7 @@
             </a:lvl1pPr>
           </a:lstStyle>
           <a:p>
-            <a:fld id="{AD999DCA-BB90-40DD-B956-088A76D67ECE}" type="slidenum">
+            <a:fld id="{D0B570D4-15F4-45D7-8690-9093D6ADD88A}" type="slidenum">
               <a:rPr lang="zh-CN" altLang="en-US" smtClean="0"/>
               <a:t>‹#›</a:t>
             </a:fld>
@@ -3003,7 +3003,7 @@
     </p:spTree>
     <p:extLst>
       <p:ext uri="{BB962C8B-B14F-4D97-AF65-F5344CB8AC3E}">
-        <p14:creationId xmlns:p14="http://schemas.microsoft.com/office/powerpoint/2010/main" val="3288872776"/>
+        <p14:creationId xmlns:p14="http://schemas.microsoft.com/office/powerpoint/2010/main" val="4210125227"/>
       </p:ext>
     </p:extLst>
   </p:cSld>
